--- a/docs/presentations/TPAC/2024/Sage300SDK_Malaysia_WebTranslations.pptx
+++ b/docs/presentations/TPAC/2024/Sage300SDK_Malaysia_WebTranslations.pptx
@@ -5,7 +5,7 @@
     <p:sldMasterId id="2147483648" r:id="rId1"/>
   </p:sldMasterIdLst>
   <p:notesMasterIdLst>
-    <p:notesMasterId r:id="rId23"/>
+    <p:notesMasterId r:id="rId24"/>
   </p:notesMasterIdLst>
   <p:sldIdLst>
     <p:sldId id="256" r:id="rId2"/>
@@ -28,7 +28,8 @@
     <p:sldId id="644" r:id="rId19"/>
     <p:sldId id="645" r:id="rId20"/>
     <p:sldId id="632" r:id="rId21"/>
-    <p:sldId id="555" r:id="rId22"/>
+    <p:sldId id="646" r:id="rId22"/>
+    <p:sldId id="555" r:id="rId23"/>
   </p:sldIdLst>
   <p:sldSz cx="12192000" cy="6858000"/>
   <p:notesSz cx="6858000" cy="9144000"/>
@@ -248,7 +249,7 @@
           <a:p>
             <a:fld id="{EC0ECC91-7099-9546-9775-79C77D0DA930}" type="datetimeFigureOut">
               <a:rPr lang="en-US" smtClean="0"/>
-              <a:t>10/16/2024</a:t>
+              <a:t>11/1/2024</a:t>
             </a:fld>
             <a:endParaRPr lang="en-US"/>
           </a:p>
@@ -1072,7 +1073,7 @@
           <a:p>
             <a:fld id="{E1B92A93-8262-254D-8F5A-CE19795D22F6}" type="slidenum">
               <a:rPr lang="en-US" smtClean="0"/>
-              <a:t>21</a:t>
+              <a:t>22</a:t>
             </a:fld>
             <a:endParaRPr lang="en-US"/>
           </a:p>
@@ -13834,6 +13835,489 @@
           <a:p>
             <a:r>
               <a:rPr lang="en-US" sz="4000" dirty="0"/>
+              <a:t>The Proxy is Coming!</a:t>
+            </a:r>
+          </a:p>
+        </p:txBody>
+      </p:sp>
+      <p:sp>
+        <p:nvSpPr>
+          <p:cNvPr id="11" name="Subtitle 2">
+            <a:extLst>
+              <a:ext uri="{FF2B5EF4-FFF2-40B4-BE49-F238E27FC236}">
+                <a16:creationId xmlns:a16="http://schemas.microsoft.com/office/drawing/2014/main" id="{1174829D-F906-BB8B-97D1-F185611B8AB9}"/>
+              </a:ext>
+            </a:extLst>
+          </p:cNvPr>
+          <p:cNvSpPr txBox="1">
+            <a:spLocks/>
+          </p:cNvSpPr>
+          <p:nvPr/>
+        </p:nvSpPr>
+        <p:spPr>
+          <a:xfrm>
+            <a:off x="420624" y="1014984"/>
+            <a:ext cx="5783228" cy="844638"/>
+          </a:xfrm>
+          <a:prstGeom prst="rect">
+            <a:avLst/>
+          </a:prstGeom>
+        </p:spPr>
+        <p:txBody>
+          <a:bodyPr/>
+          <a:lstStyle>
+            <a:lvl1pPr marL="228600" indent="-228600" algn="l" defTabSz="914400" rtl="0" eaLnBrk="1" latinLnBrk="0" hangingPunct="1">
+              <a:lnSpc>
+                <a:spcPct val="100000"/>
+              </a:lnSpc>
+              <a:spcBef>
+                <a:spcPts val="1000"/>
+              </a:spcBef>
+              <a:buFont typeface="Sage Text" panose="02010503040201060103" pitchFamily="50" charset="0"/>
+              <a:buChar char="•"/>
+              <a:defRPr lang="en-US" sz="2001" b="0" i="0" kern="1200" dirty="0" smtClean="0">
+                <a:solidFill>
+                  <a:schemeClr val="bg1"/>
+                </a:solidFill>
+                <a:latin typeface="Sage Text" panose="02010503040201060103" pitchFamily="2" charset="77"/>
+                <a:ea typeface="+mn-ea"/>
+                <a:cs typeface="+mn-cs"/>
+              </a:defRPr>
+            </a:lvl1pPr>
+            <a:lvl2pPr marL="342900" indent="-342900" algn="l" defTabSz="914400" rtl="0" eaLnBrk="1" latinLnBrk="0" hangingPunct="1">
+              <a:lnSpc>
+                <a:spcPct val="100000"/>
+              </a:lnSpc>
+              <a:spcBef>
+                <a:spcPts val="500"/>
+              </a:spcBef>
+              <a:buFont typeface="Sage Text" panose="02010503040201060103" pitchFamily="50" charset="0"/>
+              <a:buChar char="•"/>
+              <a:defRPr lang="en-US" sz="2001" b="0" i="0" kern="1200" dirty="0" smtClean="0">
+                <a:solidFill>
+                  <a:schemeClr val="bg1"/>
+                </a:solidFill>
+                <a:latin typeface="Sage Text" panose="02010503040201060103" pitchFamily="2" charset="77"/>
+                <a:ea typeface="+mn-ea"/>
+                <a:cs typeface="+mn-cs"/>
+              </a:defRPr>
+            </a:lvl2pPr>
+            <a:lvl3pPr marL="685800" indent="-342900" algn="l" defTabSz="914400" rtl="0" eaLnBrk="1" latinLnBrk="0" hangingPunct="1">
+              <a:lnSpc>
+                <a:spcPct val="100000"/>
+              </a:lnSpc>
+              <a:spcBef>
+                <a:spcPts val="500"/>
+              </a:spcBef>
+              <a:buFont typeface="Sage Text" panose="02010503040201060103" pitchFamily="50" charset="0"/>
+              <a:buChar char="•"/>
+              <a:defRPr lang="en-US" sz="1801" b="0" i="0" kern="1200" dirty="0" smtClean="0">
+                <a:solidFill>
+                  <a:schemeClr val="bg1"/>
+                </a:solidFill>
+                <a:latin typeface="Sage Text" panose="02010503040201060103" pitchFamily="2" charset="77"/>
+                <a:ea typeface="+mn-ea"/>
+                <a:cs typeface="+mn-cs"/>
+              </a:defRPr>
+            </a:lvl3pPr>
+            <a:lvl4pPr marL="974725" indent="-285750" algn="l" defTabSz="914400" rtl="0" eaLnBrk="1" latinLnBrk="0" hangingPunct="1">
+              <a:lnSpc>
+                <a:spcPct val="100000"/>
+              </a:lnSpc>
+              <a:spcBef>
+                <a:spcPts val="500"/>
+              </a:spcBef>
+              <a:buFont typeface="Sage Text" panose="02010503040201060103" pitchFamily="50" charset="0"/>
+              <a:buChar char="•"/>
+              <a:defRPr lang="en-US" sz="1600" b="0" i="0" kern="1200" dirty="0" smtClean="0">
+                <a:solidFill>
+                  <a:schemeClr val="bg1"/>
+                </a:solidFill>
+                <a:latin typeface="Sage Text" panose="02010503040201060103" pitchFamily="2" charset="77"/>
+                <a:ea typeface="+mn-ea"/>
+                <a:cs typeface="+mn-cs"/>
+              </a:defRPr>
+            </a:lvl4pPr>
+            <a:lvl5pPr marL="1314450" indent="-285750" algn="l" defTabSz="914400" rtl="0" eaLnBrk="1" latinLnBrk="0" hangingPunct="1">
+              <a:lnSpc>
+                <a:spcPct val="100000"/>
+              </a:lnSpc>
+              <a:spcBef>
+                <a:spcPts val="500"/>
+              </a:spcBef>
+              <a:buFont typeface="Sage Text" panose="02010503040201060103" pitchFamily="50" charset="0"/>
+              <a:buChar char="•"/>
+              <a:defRPr lang="en-US" sz="1400" b="0" i="0" kern="1200" dirty="0">
+                <a:solidFill>
+                  <a:schemeClr val="bg1"/>
+                </a:solidFill>
+                <a:latin typeface="Sage Text" panose="02010503040201060103" pitchFamily="2" charset="77"/>
+                <a:ea typeface="+mn-ea"/>
+                <a:cs typeface="+mn-cs"/>
+              </a:defRPr>
+            </a:lvl5pPr>
+            <a:lvl6pPr marL="2514600" indent="-228600" algn="l" defTabSz="914400" rtl="0" eaLnBrk="1" latinLnBrk="0" hangingPunct="1">
+              <a:lnSpc>
+                <a:spcPct val="90000"/>
+              </a:lnSpc>
+              <a:spcBef>
+                <a:spcPts val="500"/>
+              </a:spcBef>
+              <a:buFont typeface="Sage Text" panose="02010503040201060103" pitchFamily="50" charset="0"/>
+              <a:buChar char="•"/>
+              <a:defRPr sz="1800" kern="1200">
+                <a:solidFill>
+                  <a:schemeClr val="tx1"/>
+                </a:solidFill>
+                <a:latin typeface="+mn-lt"/>
+                <a:ea typeface="+mn-ea"/>
+                <a:cs typeface="+mn-cs"/>
+              </a:defRPr>
+            </a:lvl6pPr>
+            <a:lvl7pPr marL="2971800" indent="-228600" algn="l" defTabSz="914400" rtl="0" eaLnBrk="1" latinLnBrk="0" hangingPunct="1">
+              <a:lnSpc>
+                <a:spcPct val="90000"/>
+              </a:lnSpc>
+              <a:spcBef>
+                <a:spcPts val="500"/>
+              </a:spcBef>
+              <a:buFont typeface="Sage Text" panose="02010503040201060103" pitchFamily="50" charset="0"/>
+              <a:buChar char="•"/>
+              <a:defRPr sz="1800" kern="1200">
+                <a:solidFill>
+                  <a:schemeClr val="tx1"/>
+                </a:solidFill>
+                <a:latin typeface="+mn-lt"/>
+                <a:ea typeface="+mn-ea"/>
+                <a:cs typeface="+mn-cs"/>
+              </a:defRPr>
+            </a:lvl7pPr>
+            <a:lvl8pPr marL="3429000" indent="-228600" algn="l" defTabSz="914400" rtl="0" eaLnBrk="1" latinLnBrk="0" hangingPunct="1">
+              <a:lnSpc>
+                <a:spcPct val="90000"/>
+              </a:lnSpc>
+              <a:spcBef>
+                <a:spcPts val="500"/>
+              </a:spcBef>
+              <a:buFont typeface="Sage Text" panose="02010503040201060103" pitchFamily="50" charset="0"/>
+              <a:buChar char="•"/>
+              <a:defRPr sz="1800" kern="1200">
+                <a:solidFill>
+                  <a:schemeClr val="tx1"/>
+                </a:solidFill>
+                <a:latin typeface="+mn-lt"/>
+                <a:ea typeface="+mn-ea"/>
+                <a:cs typeface="+mn-cs"/>
+              </a:defRPr>
+            </a:lvl8pPr>
+            <a:lvl9pPr marL="3886200" indent="-228600" algn="l" defTabSz="914400" rtl="0" eaLnBrk="1" latinLnBrk="0" hangingPunct="1">
+              <a:lnSpc>
+                <a:spcPct val="90000"/>
+              </a:lnSpc>
+              <a:spcBef>
+                <a:spcPts val="500"/>
+              </a:spcBef>
+              <a:buFont typeface="Sage Text" panose="02010503040201060103" pitchFamily="50" charset="0"/>
+              <a:buChar char="•"/>
+              <a:defRPr sz="1800" kern="1200">
+                <a:solidFill>
+                  <a:schemeClr val="tx1"/>
+                </a:solidFill>
+                <a:latin typeface="+mn-lt"/>
+                <a:ea typeface="+mn-ea"/>
+                <a:cs typeface="+mn-cs"/>
+              </a:defRPr>
+            </a:lvl9pPr>
+          </a:lstStyle>
+          <a:p>
+            <a:pPr marL="0" indent="0">
+              <a:buNone/>
+            </a:pPr>
+            <a:r>
+              <a:rPr lang="en-US" sz="2400" dirty="0">
+                <a:solidFill>
+                  <a:schemeClr val="tx2"/>
+                </a:solidFill>
+              </a:rPr>
+              <a:t>Proxy for all using Elliptical Encryption</a:t>
+            </a:r>
+          </a:p>
+        </p:txBody>
+      </p:sp>
+      <p:sp>
+        <p:nvSpPr>
+          <p:cNvPr id="14" name="TextBox 13">
+            <a:extLst>
+              <a:ext uri="{FF2B5EF4-FFF2-40B4-BE49-F238E27FC236}">
+                <a16:creationId xmlns:a16="http://schemas.microsoft.com/office/drawing/2014/main" id="{9E20CFF8-CC90-042A-3456-8A304129D33F}"/>
+              </a:ext>
+            </a:extLst>
+          </p:cNvPr>
+          <p:cNvSpPr txBox="1"/>
+          <p:nvPr/>
+        </p:nvSpPr>
+        <p:spPr>
+          <a:xfrm>
+            <a:off x="420623" y="1616927"/>
+            <a:ext cx="5980177" cy="3477875"/>
+          </a:xfrm>
+          <a:prstGeom prst="rect">
+            <a:avLst/>
+          </a:prstGeom>
+          <a:noFill/>
+        </p:spPr>
+        <p:txBody>
+          <a:bodyPr wrap="square" rtlCol="0">
+            <a:spAutoFit/>
+          </a:bodyPr>
+          <a:lstStyle/>
+          <a:p>
+            <a:r>
+              <a:rPr lang="en-GB" sz="2000" dirty="0">
+                <a:solidFill>
+                  <a:schemeClr val="bg1"/>
+                </a:solidFill>
+                <a:latin typeface="Sage Text" panose="02010503040201060103" pitchFamily="2" charset="0"/>
+                <a:cs typeface="Arial"/>
+              </a:rPr>
+              <a:t>Proxy allows Sage 300 Web Screens to be hosted in partner web application</a:t>
+            </a:r>
+          </a:p>
+          <a:p>
+            <a:endParaRPr lang="en-GB" sz="2000" dirty="0">
+              <a:solidFill>
+                <a:schemeClr val="bg1"/>
+              </a:solidFill>
+              <a:latin typeface="Sage Text" panose="02010503040201060103" pitchFamily="2" charset="0"/>
+              <a:cs typeface="Arial"/>
+            </a:endParaRPr>
+          </a:p>
+          <a:p>
+            <a:r>
+              <a:rPr lang="en-GB" sz="2000" dirty="0">
+                <a:solidFill>
+                  <a:schemeClr val="bg1"/>
+                </a:solidFill>
+                <a:latin typeface="Sage Text" panose="02010503040201060103" pitchFamily="2" charset="0"/>
+                <a:cs typeface="Arial"/>
+              </a:rPr>
+              <a:t>Elliptical Encryption for asymmetric public-private keys</a:t>
+            </a:r>
+          </a:p>
+          <a:p>
+            <a:endParaRPr lang="en-GB" sz="2000" dirty="0">
+              <a:solidFill>
+                <a:schemeClr val="bg1"/>
+              </a:solidFill>
+              <a:latin typeface="Sage Text" panose="02010503040201060103" pitchFamily="2" charset="0"/>
+              <a:cs typeface="Arial"/>
+            </a:endParaRPr>
+          </a:p>
+          <a:p>
+            <a:r>
+              <a:rPr lang="en-GB" sz="2000" dirty="0">
+                <a:solidFill>
+                  <a:schemeClr val="bg1"/>
+                </a:solidFill>
+                <a:latin typeface="Sage Text" panose="02010503040201060103" pitchFamily="2" charset="0"/>
+                <a:cs typeface="Arial"/>
+              </a:rPr>
+              <a:t>No information in URL (it’s in the headers!)</a:t>
+            </a:r>
+          </a:p>
+          <a:p>
+            <a:endParaRPr lang="en-GB" sz="2000" dirty="0">
+              <a:solidFill>
+                <a:schemeClr val="bg1"/>
+              </a:solidFill>
+              <a:latin typeface="Sage Text" panose="02010503040201060103" pitchFamily="2" charset="0"/>
+              <a:cs typeface="Arial"/>
+            </a:endParaRPr>
+          </a:p>
+          <a:p>
+            <a:r>
+              <a:rPr lang="en-GB" sz="2000" dirty="0">
+                <a:solidFill>
+                  <a:schemeClr val="bg1"/>
+                </a:solidFill>
+                <a:latin typeface="Sage Text" panose="02010503040201060103" pitchFamily="2" charset="0"/>
+                <a:cs typeface="Arial"/>
+              </a:rPr>
+              <a:t>Proxy Tester available in Web SDK 2025.1</a:t>
+            </a:r>
+          </a:p>
+          <a:p>
+            <a:endParaRPr lang="en-GB" sz="2000" dirty="0">
+              <a:solidFill>
+                <a:schemeClr val="bg1"/>
+              </a:solidFill>
+              <a:latin typeface="Sage Text" panose="02010503040201060103" pitchFamily="2" charset="0"/>
+              <a:cs typeface="Arial"/>
+            </a:endParaRPr>
+          </a:p>
+          <a:p>
+            <a:r>
+              <a:rPr lang="en-GB" sz="2000" dirty="0">
+                <a:solidFill>
+                  <a:schemeClr val="bg1"/>
+                </a:solidFill>
+                <a:latin typeface="Sage Text" panose="02010503040201060103" pitchFamily="2" charset="0"/>
+                <a:cs typeface="Arial"/>
+              </a:rPr>
+              <a:t>Doc on Proxy and Proxy Tester in docs/utilities</a:t>
+            </a:r>
+          </a:p>
+        </p:txBody>
+      </p:sp>
+      <p:pic>
+        <p:nvPicPr>
+          <p:cNvPr id="5" name="Picture 4">
+            <a:extLst>
+              <a:ext uri="{FF2B5EF4-FFF2-40B4-BE49-F238E27FC236}">
+                <a16:creationId xmlns:a16="http://schemas.microsoft.com/office/drawing/2014/main" id="{63919D67-3042-38AA-550C-5653C6580810}"/>
+              </a:ext>
+            </a:extLst>
+          </p:cNvPr>
+          <p:cNvPicPr>
+            <a:picLocks noChangeAspect="1"/>
+          </p:cNvPicPr>
+          <p:nvPr/>
+        </p:nvPicPr>
+        <p:blipFill>
+          <a:blip r:embed="rId2"/>
+          <a:stretch>
+            <a:fillRect/>
+          </a:stretch>
+        </p:blipFill>
+        <p:spPr>
+          <a:xfrm>
+            <a:off x="6632173" y="808892"/>
+            <a:ext cx="5035875" cy="5127674"/>
+          </a:xfrm>
+          <a:prstGeom prst="rect">
+            <a:avLst/>
+          </a:prstGeom>
+        </p:spPr>
+      </p:pic>
+    </p:spTree>
+    <p:extLst>
+      <p:ext uri="{BB962C8B-B14F-4D97-AF65-F5344CB8AC3E}">
+        <p14:creationId xmlns:p14="http://schemas.microsoft.com/office/powerpoint/2010/main" val="3298197489"/>
+      </p:ext>
+    </p:extLst>
+  </p:cSld>
+  <p:clrMapOvr>
+    <a:masterClrMapping/>
+  </p:clrMapOvr>
+</p:sld>
+</file>
+
+<file path=ppt/slides/slide21.xml><?xml version="1.0" encoding="utf-8"?>
+<p:sld xmlns:a="http://schemas.openxmlformats.org/drawingml/2006/main" xmlns:r="http://schemas.openxmlformats.org/officeDocument/2006/relationships" xmlns:p="http://schemas.openxmlformats.org/presentationml/2006/main">
+  <p:cSld>
+    <p:spTree>
+      <p:nvGrpSpPr>
+        <p:cNvPr id="1" name="">
+          <a:extLst>
+            <a:ext uri="{FF2B5EF4-FFF2-40B4-BE49-F238E27FC236}">
+              <a16:creationId xmlns:a16="http://schemas.microsoft.com/office/drawing/2014/main" id="{434E3189-C54A-4A28-7DAD-E5DB908FF913}"/>
+            </a:ext>
+          </a:extLst>
+        </p:cNvPr>
+        <p:cNvGrpSpPr/>
+        <p:nvPr/>
+      </p:nvGrpSpPr>
+      <p:grpSpPr>
+        <a:xfrm>
+          <a:off x="0" y="0"/>
+          <a:ext cx="0" cy="0"/>
+          <a:chOff x="0" y="0"/>
+          <a:chExt cx="0" cy="0"/>
+        </a:xfrm>
+      </p:grpSpPr>
+      <p:sp>
+        <p:nvSpPr>
+          <p:cNvPr id="2" name="Slide Number Placeholder 1">
+            <a:extLst>
+              <a:ext uri="{FF2B5EF4-FFF2-40B4-BE49-F238E27FC236}">
+                <a16:creationId xmlns:a16="http://schemas.microsoft.com/office/drawing/2014/main" id="{D6CE5A07-0857-CD88-5724-725EF8CF6BB0}"/>
+              </a:ext>
+            </a:extLst>
+          </p:cNvPr>
+          <p:cNvSpPr>
+            <a:spLocks noGrp="1"/>
+          </p:cNvSpPr>
+          <p:nvPr>
+            <p:ph type="sldNum" sz="quarter" idx="10"/>
+          </p:nvPr>
+        </p:nvSpPr>
+        <p:spPr/>
+        <p:txBody>
+          <a:bodyPr/>
+          <a:lstStyle/>
+          <a:p>
+            <a:r>
+              <a:rPr lang="en-US"/>
+              <a:t>Page </a:t>
+            </a:r>
+            <a:fld id="{888928BD-9DD5-4B49-B597-3FD2BD4272DD}" type="slidenum">
+              <a:rPr smtClean="0"/>
+              <a:pPr/>
+              <a:t>21</a:t>
+            </a:fld>
+            <a:endParaRPr dirty="0"/>
+          </a:p>
+        </p:txBody>
+      </p:sp>
+      <p:sp>
+        <p:nvSpPr>
+          <p:cNvPr id="10" name="Title 1">
+            <a:extLst>
+              <a:ext uri="{FF2B5EF4-FFF2-40B4-BE49-F238E27FC236}">
+                <a16:creationId xmlns:a16="http://schemas.microsoft.com/office/drawing/2014/main" id="{874E79A8-A329-D49D-9EC3-483288E815D4}"/>
+              </a:ext>
+            </a:extLst>
+          </p:cNvPr>
+          <p:cNvSpPr txBox="1">
+            <a:spLocks/>
+          </p:cNvSpPr>
+          <p:nvPr/>
+        </p:nvSpPr>
+        <p:spPr>
+          <a:xfrm>
+            <a:off x="420624" y="309832"/>
+            <a:ext cx="5522976" cy="594360"/>
+          </a:xfrm>
+          <a:prstGeom prst="rect">
+            <a:avLst/>
+          </a:prstGeom>
+        </p:spPr>
+        <p:txBody>
+          <a:bodyPr vert="horz" lIns="0" tIns="0" rIns="0" bIns="0" rtlCol="0" anchor="t" anchorCtr="0">
+            <a:noAutofit/>
+          </a:bodyPr>
+          <a:lstStyle>
+            <a:lvl1pPr algn="l" defTabSz="914400" rtl="0" eaLnBrk="1" latinLnBrk="0" hangingPunct="1">
+              <a:lnSpc>
+                <a:spcPct val="90000"/>
+              </a:lnSpc>
+              <a:spcBef>
+                <a:spcPct val="0"/>
+              </a:spcBef>
+              <a:buNone/>
+              <a:defRPr sz="2000" b="1" i="0" kern="1200">
+                <a:solidFill>
+                  <a:schemeClr val="bg1"/>
+                </a:solidFill>
+                <a:latin typeface="+mn-lt"/>
+                <a:ea typeface="+mj-ea"/>
+                <a:cs typeface="+mj-cs"/>
+              </a:defRPr>
+            </a:lvl1pPr>
+          </a:lstStyle>
+          <a:p>
+            <a:r>
+              <a:rPr lang="en-US" sz="4000" dirty="0"/>
               <a:t>The Future is Now!</a:t>
             </a:r>
           </a:p>
@@ -14201,7 +14685,7 @@
     </p:spTree>
     <p:extLst>
       <p:ext uri="{BB962C8B-B14F-4D97-AF65-F5344CB8AC3E}">
-        <p14:creationId xmlns:p14="http://schemas.microsoft.com/office/powerpoint/2010/main" val="3298197489"/>
+        <p14:creationId xmlns:p14="http://schemas.microsoft.com/office/powerpoint/2010/main" val="1714649693"/>
       </p:ext>
     </p:extLst>
   </p:cSld>
@@ -14211,7 +14695,7 @@
 </p:sld>
 </file>
 
-<file path=ppt/slides/slide21.xml><?xml version="1.0" encoding="utf-8"?>
+<file path=ppt/slides/slide22.xml><?xml version="1.0" encoding="utf-8"?>
 <p:sld xmlns:a="http://schemas.openxmlformats.org/drawingml/2006/main" xmlns:r="http://schemas.openxmlformats.org/officeDocument/2006/relationships" xmlns:p="http://schemas.openxmlformats.org/presentationml/2006/main">
   <p:cSld>
     <p:spTree>
